--- a/14_01_13_CollectionGeneric/ch1406_LinkedArrayList/15_01_14.06_LinkedArrayList.pptx
+++ b/14_01_13_CollectionGeneric/ch1406_LinkedArrayList/15_01_14.06_LinkedArrayList.pptx
@@ -3640,7 +3640,7 @@
                   <a:srgbClr val="FFFF00"/>
                 </a:solidFill>
               </a:rPr>
-              <a:t>14.06.3 Summary</a:t>
+              <a:t>14.06.3 Example</a:t>
             </a:r>
             <a:endParaRPr lang="zh-TW" altLang="en-US" sz="4800" b="1" dirty="0">
               <a:solidFill>
@@ -3845,7 +3845,7 @@
                   <a:srgbClr val="FFFF00"/>
                 </a:solidFill>
               </a:rPr>
-              <a:t>14.06.1 Array List</a:t>
+              <a:t>14.06.3 Example</a:t>
             </a:r>
             <a:endParaRPr lang="zh-TW" altLang="en-US" b="1" dirty="0">
               <a:solidFill>
@@ -3867,8 +3867,8 @@
         </p:nvSpPr>
         <p:spPr>
           <a:xfrm>
-            <a:off x="457200" y="1316902"/>
-            <a:ext cx="8352928" cy="895446"/>
+            <a:off x="457200" y="1316903"/>
+            <a:ext cx="8352928" cy="360040"/>
           </a:xfrm>
           <a:ln>
             <a:solidFill>
@@ -3896,39 +3896,8 @@
                   <a:schemeClr val="tx1"/>
                 </a:solidFill>
               </a:rPr>
-              <a:t>When you add or remove, the LinkedList is faster than ArrayList.</a:t>
-            </a:r>
-          </a:p>
-          <a:p>
-            <a:pPr marL="342900" indent="-342900" algn="l">
-              <a:buClr>
-                <a:srgbClr val="0070C0"/>
-              </a:buClr>
-              <a:buSzPct val="80000"/>
-              <a:buFont typeface="Wingdings" pitchFamily="2" charset="2"/>
-              <a:buChar char="u"/>
-            </a:pPr>
-            <a:r>
-              <a:rPr lang="en-US" altLang="zh-TW" sz="1800" dirty="0">
-                <a:solidFill>
-                  <a:schemeClr val="tx1"/>
-                </a:solidFill>
-              </a:rPr>
-              <a:t>When you search the value, the LinkedList is slower </a:t>
-            </a:r>
-            <a:r>
-              <a:rPr lang="en-US" altLang="zh-TW" sz="1800">
-                <a:solidFill>
-                  <a:schemeClr val="tx1"/>
-                </a:solidFill>
-              </a:rPr>
-              <a:t>than ArrayList.</a:t>
-            </a:r>
-            <a:endParaRPr lang="en-US" altLang="zh-TW" sz="1800" dirty="0">
-              <a:solidFill>
-                <a:schemeClr val="tx1"/>
-              </a:solidFill>
-            </a:endParaRPr>
+              <a:t>Code Example:</a:t>
+            </a:r>
           </a:p>
           <a:p>
             <a:pPr marL="342900" indent="-342900" algn="l">
@@ -4007,7 +3976,7 @@
                 <a:ea typeface="+mj-ea"/>
                 <a:cs typeface="+mj-cs"/>
               </a:rPr>
-              <a:t>https://www.youtube.com/watch?v=QWMyhFUtFHo</a:t>
+              <a:t>https://www.tutorialspoint.com/java/java_list_interface.htm</a:t>
             </a:r>
             <a:endParaRPr kumimoji="0" lang="zh-TW" altLang="en-US" sz="1600" b="0" i="0" u="none" strike="noStrike" kern="1200" cap="none" spc="0" normalizeH="0" baseline="0" noProof="0" dirty="0">
               <a:ln>
@@ -4074,518 +4043,41 @@
           </a:p>
         </p:txBody>
       </p:sp>
-      <p:sp>
-        <p:nvSpPr>
-          <p:cNvPr id="38" name="Rectangle 37">
+      <p:pic>
+        <p:nvPicPr>
+          <p:cNvPr id="7" name="Picture 6">
             <a:extLst>
               <a:ext uri="{FF2B5EF4-FFF2-40B4-BE49-F238E27FC236}">
-                <a16:creationId xmlns:a16="http://schemas.microsoft.com/office/drawing/2014/main" id="{15B2A1C7-46BB-4732-99BF-CAB8545387CD}"/>
+                <a16:creationId xmlns:a16="http://schemas.microsoft.com/office/drawing/2014/main" id="{FDC36566-79AB-4196-ABC4-D059F932F46C}"/>
               </a:ext>
             </a:extLst>
           </p:cNvPr>
-          <p:cNvSpPr/>
+          <p:cNvPicPr>
+            <a:picLocks noChangeAspect="1"/>
+          </p:cNvPicPr>
           <p:nvPr/>
-        </p:nvSpPr>
-        <p:spPr>
-          <a:xfrm>
-            <a:off x="2315596" y="3027780"/>
-            <a:ext cx="1440160" cy="504057"/>
+        </p:nvPicPr>
+        <p:blipFill>
+          <a:blip r:embed="rId2"/>
+          <a:stretch>
+            <a:fillRect/>
+          </a:stretch>
+        </p:blipFill>
+        <p:spPr>
+          <a:xfrm>
+            <a:off x="3001780" y="1783616"/>
+            <a:ext cx="3551420" cy="4725144"/>
           </a:xfrm>
           <a:prstGeom prst="rect">
             <a:avLst/>
           </a:prstGeom>
-          <a:solidFill>
-            <a:schemeClr val="bg1">
-              <a:lumMod val="85000"/>
-            </a:schemeClr>
-          </a:solidFill>
           <a:ln>
             <a:solidFill>
               <a:srgbClr val="C00000"/>
             </a:solidFill>
           </a:ln>
         </p:spPr>
-        <p:style>
-          <a:lnRef idx="2">
-            <a:schemeClr val="accent1">
-              <a:shade val="50000"/>
-            </a:schemeClr>
-          </a:lnRef>
-          <a:fillRef idx="1">
-            <a:schemeClr val="accent1"/>
-          </a:fillRef>
-          <a:effectRef idx="0">
-            <a:schemeClr val="accent1"/>
-          </a:effectRef>
-          <a:fontRef idx="minor">
-            <a:schemeClr val="lt1"/>
-          </a:fontRef>
-        </p:style>
-        <p:txBody>
-          <a:bodyPr rtlCol="0" anchor="ctr"/>
-          <a:lstStyle/>
-          <a:p>
-            <a:pPr algn="ctr"/>
-            <a:r>
-              <a:rPr lang="en-US" dirty="0">
-                <a:solidFill>
-                  <a:schemeClr val="tx1"/>
-                </a:solidFill>
-              </a:rPr>
-              <a:t>LinkedList</a:t>
-            </a:r>
-          </a:p>
-        </p:txBody>
-      </p:sp>
-      <p:sp>
-        <p:nvSpPr>
-          <p:cNvPr id="39" name="Rectangle 38">
-            <a:extLst>
-              <a:ext uri="{FF2B5EF4-FFF2-40B4-BE49-F238E27FC236}">
-                <a16:creationId xmlns:a16="http://schemas.microsoft.com/office/drawing/2014/main" id="{8B63873F-ECA9-492E-B915-B9E27A25C2F1}"/>
-              </a:ext>
-            </a:extLst>
-          </p:cNvPr>
-          <p:cNvSpPr/>
-          <p:nvPr/>
-        </p:nvSpPr>
-        <p:spPr>
-          <a:xfrm>
-            <a:off x="5652120" y="3072586"/>
-            <a:ext cx="1440160" cy="504057"/>
-          </a:xfrm>
-          <a:prstGeom prst="rect">
-            <a:avLst/>
-          </a:prstGeom>
-          <a:solidFill>
-            <a:schemeClr val="bg1">
-              <a:lumMod val="85000"/>
-            </a:schemeClr>
-          </a:solidFill>
-          <a:ln>
-            <a:solidFill>
-              <a:srgbClr val="C00000"/>
-            </a:solidFill>
-          </a:ln>
-        </p:spPr>
-        <p:style>
-          <a:lnRef idx="2">
-            <a:schemeClr val="accent1">
-              <a:shade val="50000"/>
-            </a:schemeClr>
-          </a:lnRef>
-          <a:fillRef idx="1">
-            <a:schemeClr val="accent1"/>
-          </a:fillRef>
-          <a:effectRef idx="0">
-            <a:schemeClr val="accent1"/>
-          </a:effectRef>
-          <a:fontRef idx="minor">
-            <a:schemeClr val="lt1"/>
-          </a:fontRef>
-        </p:style>
-        <p:txBody>
-          <a:bodyPr rtlCol="0" anchor="ctr"/>
-          <a:lstStyle/>
-          <a:p>
-            <a:pPr algn="ctr"/>
-            <a:r>
-              <a:rPr lang="en-US" dirty="0">
-                <a:solidFill>
-                  <a:schemeClr val="tx1"/>
-                </a:solidFill>
-              </a:rPr>
-              <a:t>ArrayList</a:t>
-            </a:r>
-          </a:p>
-        </p:txBody>
-      </p:sp>
-      <p:sp>
-        <p:nvSpPr>
-          <p:cNvPr id="40" name="Rectangle 39">
-            <a:extLst>
-              <a:ext uri="{FF2B5EF4-FFF2-40B4-BE49-F238E27FC236}">
-                <a16:creationId xmlns:a16="http://schemas.microsoft.com/office/drawing/2014/main" id="{EDDC9657-88A9-4C64-A376-07A9484C9BD7}"/>
-              </a:ext>
-            </a:extLst>
-          </p:cNvPr>
-          <p:cNvSpPr/>
-          <p:nvPr/>
-        </p:nvSpPr>
-        <p:spPr>
-          <a:xfrm>
-            <a:off x="4331820" y="3159530"/>
-            <a:ext cx="551910" cy="330170"/>
-          </a:xfrm>
-          <a:prstGeom prst="rect">
-            <a:avLst/>
-          </a:prstGeom>
-          <a:noFill/>
-          <a:ln>
-            <a:noFill/>
-          </a:ln>
-        </p:spPr>
-        <p:style>
-          <a:lnRef idx="2">
-            <a:schemeClr val="accent1">
-              <a:shade val="50000"/>
-            </a:schemeClr>
-          </a:lnRef>
-          <a:fillRef idx="1">
-            <a:schemeClr val="accent1"/>
-          </a:fillRef>
-          <a:effectRef idx="0">
-            <a:schemeClr val="accent1"/>
-          </a:effectRef>
-          <a:fontRef idx="minor">
-            <a:schemeClr val="lt1"/>
-          </a:fontRef>
-        </p:style>
-        <p:txBody>
-          <a:bodyPr rtlCol="0" anchor="ctr"/>
-          <a:lstStyle/>
-          <a:p>
-            <a:pPr algn="ctr"/>
-            <a:r>
-              <a:rPr lang="en-US" dirty="0">
-                <a:solidFill>
-                  <a:schemeClr val="tx1"/>
-                </a:solidFill>
-              </a:rPr>
-              <a:t>vs</a:t>
-            </a:r>
-          </a:p>
-        </p:txBody>
-      </p:sp>
-      <p:sp>
-        <p:nvSpPr>
-          <p:cNvPr id="41" name="Rectangle 40">
-            <a:extLst>
-              <a:ext uri="{FF2B5EF4-FFF2-40B4-BE49-F238E27FC236}">
-                <a16:creationId xmlns:a16="http://schemas.microsoft.com/office/drawing/2014/main" id="{CC5765B4-1031-4912-AC77-D891C5CDB4D3}"/>
-              </a:ext>
-            </a:extLst>
-          </p:cNvPr>
-          <p:cNvSpPr/>
-          <p:nvPr/>
-        </p:nvSpPr>
-        <p:spPr>
-          <a:xfrm>
-            <a:off x="5364088" y="4311337"/>
-            <a:ext cx="2016224" cy="504057"/>
-          </a:xfrm>
-          <a:prstGeom prst="rect">
-            <a:avLst/>
-          </a:prstGeom>
-          <a:solidFill>
-            <a:schemeClr val="bg1">
-              <a:lumMod val="85000"/>
-            </a:schemeClr>
-          </a:solidFill>
-          <a:ln>
-            <a:solidFill>
-              <a:srgbClr val="C00000"/>
-            </a:solidFill>
-          </a:ln>
-        </p:spPr>
-        <p:style>
-          <a:lnRef idx="2">
-            <a:schemeClr val="accent1">
-              <a:shade val="50000"/>
-            </a:schemeClr>
-          </a:lnRef>
-          <a:fillRef idx="1">
-            <a:schemeClr val="accent1"/>
-          </a:fillRef>
-          <a:effectRef idx="0">
-            <a:schemeClr val="accent1"/>
-          </a:effectRef>
-          <a:fontRef idx="minor">
-            <a:schemeClr val="lt1"/>
-          </a:fontRef>
-        </p:style>
-        <p:txBody>
-          <a:bodyPr rtlCol="0" anchor="ctr"/>
-          <a:lstStyle/>
-          <a:p>
-            <a:pPr algn="ctr"/>
-            <a:r>
-              <a:rPr lang="en-US" dirty="0">
-                <a:solidFill>
-                  <a:schemeClr val="tx1"/>
-                </a:solidFill>
-              </a:rPr>
-              <a:t>Dynamic Array</a:t>
-            </a:r>
-          </a:p>
-        </p:txBody>
-      </p:sp>
-      <p:cxnSp>
-        <p:nvCxnSpPr>
-          <p:cNvPr id="43" name="Straight Arrow Connector 42">
-            <a:extLst>
-              <a:ext uri="{FF2B5EF4-FFF2-40B4-BE49-F238E27FC236}">
-                <a16:creationId xmlns:a16="http://schemas.microsoft.com/office/drawing/2014/main" id="{F6FF2DDB-2E1F-42D6-9C69-3BAD4D2457BC}"/>
-              </a:ext>
-            </a:extLst>
-          </p:cNvPr>
-          <p:cNvCxnSpPr>
-            <a:stCxn id="39" idx="2"/>
-            <a:endCxn id="41" idx="0"/>
-          </p:cNvCxnSpPr>
-          <p:nvPr/>
-        </p:nvCxnSpPr>
-        <p:spPr>
-          <a:xfrm>
-            <a:off x="6372200" y="3576643"/>
-            <a:ext cx="0" cy="734694"/>
-          </a:xfrm>
-          <a:prstGeom prst="straightConnector1">
-            <a:avLst/>
-          </a:prstGeom>
-          <a:ln>
-            <a:solidFill>
-              <a:srgbClr val="C00000"/>
-            </a:solidFill>
-            <a:tailEnd type="triangle"/>
-          </a:ln>
-        </p:spPr>
-        <p:style>
-          <a:lnRef idx="1">
-            <a:schemeClr val="accent1"/>
-          </a:lnRef>
-          <a:fillRef idx="0">
-            <a:schemeClr val="accent1"/>
-          </a:fillRef>
-          <a:effectRef idx="0">
-            <a:schemeClr val="accent1"/>
-          </a:effectRef>
-          <a:fontRef idx="minor">
-            <a:schemeClr val="tx1"/>
-          </a:fontRef>
-        </p:style>
-      </p:cxnSp>
-      <p:sp>
-        <p:nvSpPr>
-          <p:cNvPr id="44" name="Rectangle 43">
-            <a:extLst>
-              <a:ext uri="{FF2B5EF4-FFF2-40B4-BE49-F238E27FC236}">
-                <a16:creationId xmlns:a16="http://schemas.microsoft.com/office/drawing/2014/main" id="{51381062-2580-4BAB-A5D4-6C9258956435}"/>
-              </a:ext>
-            </a:extLst>
-          </p:cNvPr>
-          <p:cNvSpPr/>
-          <p:nvPr/>
-        </p:nvSpPr>
-        <p:spPr>
-          <a:xfrm>
-            <a:off x="2072098" y="4211506"/>
-            <a:ext cx="1927156" cy="504057"/>
-          </a:xfrm>
-          <a:prstGeom prst="rect">
-            <a:avLst/>
-          </a:prstGeom>
-          <a:solidFill>
-            <a:schemeClr val="bg1">
-              <a:lumMod val="85000"/>
-            </a:schemeClr>
-          </a:solidFill>
-          <a:ln>
-            <a:solidFill>
-              <a:srgbClr val="C00000"/>
-            </a:solidFill>
-          </a:ln>
-        </p:spPr>
-        <p:style>
-          <a:lnRef idx="2">
-            <a:schemeClr val="accent1">
-              <a:shade val="50000"/>
-            </a:schemeClr>
-          </a:lnRef>
-          <a:fillRef idx="1">
-            <a:schemeClr val="accent1"/>
-          </a:fillRef>
-          <a:effectRef idx="0">
-            <a:schemeClr val="accent1"/>
-          </a:effectRef>
-          <a:fontRef idx="minor">
-            <a:schemeClr val="lt1"/>
-          </a:fontRef>
-        </p:style>
-        <p:txBody>
-          <a:bodyPr rtlCol="0" anchor="ctr"/>
-          <a:lstStyle/>
-          <a:p>
-            <a:pPr algn="ctr"/>
-            <a:r>
-              <a:rPr lang="en-US" dirty="0">
-                <a:solidFill>
-                  <a:schemeClr val="tx1"/>
-                </a:solidFill>
-              </a:rPr>
-              <a:t>Double Linked List</a:t>
-            </a:r>
-          </a:p>
-        </p:txBody>
-      </p:sp>
-      <p:cxnSp>
-        <p:nvCxnSpPr>
-          <p:cNvPr id="46" name="Straight Arrow Connector 45">
-            <a:extLst>
-              <a:ext uri="{FF2B5EF4-FFF2-40B4-BE49-F238E27FC236}">
-                <a16:creationId xmlns:a16="http://schemas.microsoft.com/office/drawing/2014/main" id="{F1697103-E0C7-4B64-BC47-EDFB3E1B0CAF}"/>
-              </a:ext>
-            </a:extLst>
-          </p:cNvPr>
-          <p:cNvCxnSpPr>
-            <a:cxnSpLocks/>
-            <a:stCxn id="38" idx="2"/>
-            <a:endCxn id="44" idx="0"/>
-          </p:cNvCxnSpPr>
-          <p:nvPr/>
-        </p:nvCxnSpPr>
-        <p:spPr>
-          <a:xfrm>
-            <a:off x="3035676" y="3531837"/>
-            <a:ext cx="0" cy="679669"/>
-          </a:xfrm>
-          <a:prstGeom prst="straightConnector1">
-            <a:avLst/>
-          </a:prstGeom>
-          <a:ln>
-            <a:solidFill>
-              <a:srgbClr val="C00000"/>
-            </a:solidFill>
-            <a:tailEnd type="triangle"/>
-          </a:ln>
-        </p:spPr>
-        <p:style>
-          <a:lnRef idx="1">
-            <a:schemeClr val="accent1"/>
-          </a:lnRef>
-          <a:fillRef idx="0">
-            <a:schemeClr val="accent1"/>
-          </a:fillRef>
-          <a:effectRef idx="0">
-            <a:schemeClr val="accent1"/>
-          </a:effectRef>
-          <a:fontRef idx="minor">
-            <a:schemeClr val="tx1"/>
-          </a:fontRef>
-        </p:style>
-      </p:cxnSp>
-      <p:sp>
-        <p:nvSpPr>
-          <p:cNvPr id="47" name="Rectangle 46">
-            <a:extLst>
-              <a:ext uri="{FF2B5EF4-FFF2-40B4-BE49-F238E27FC236}">
-                <a16:creationId xmlns:a16="http://schemas.microsoft.com/office/drawing/2014/main" id="{620BCC5B-19D5-49A0-BC09-E9A7931CA960}"/>
-              </a:ext>
-            </a:extLst>
-          </p:cNvPr>
-          <p:cNvSpPr/>
-          <p:nvPr/>
-        </p:nvSpPr>
-        <p:spPr>
-          <a:xfrm>
-            <a:off x="6540370" y="3828607"/>
-            <a:ext cx="1175826" cy="330170"/>
-          </a:xfrm>
-          <a:prstGeom prst="rect">
-            <a:avLst/>
-          </a:prstGeom>
-          <a:noFill/>
-          <a:ln>
-            <a:noFill/>
-          </a:ln>
-        </p:spPr>
-        <p:style>
-          <a:lnRef idx="2">
-            <a:schemeClr val="accent1">
-              <a:shade val="50000"/>
-            </a:schemeClr>
-          </a:lnRef>
-          <a:fillRef idx="1">
-            <a:schemeClr val="accent1"/>
-          </a:fillRef>
-          <a:effectRef idx="0">
-            <a:schemeClr val="accent1"/>
-          </a:effectRef>
-          <a:fontRef idx="minor">
-            <a:schemeClr val="lt1"/>
-          </a:fontRef>
-        </p:style>
-        <p:txBody>
-          <a:bodyPr rtlCol="0" anchor="ctr"/>
-          <a:lstStyle/>
-          <a:p>
-            <a:r>
-              <a:rPr lang="en-US" dirty="0">
-                <a:solidFill>
-                  <a:schemeClr val="tx1"/>
-                </a:solidFill>
-              </a:rPr>
-              <a:t>Based on</a:t>
-            </a:r>
-          </a:p>
-        </p:txBody>
-      </p:sp>
-      <p:sp>
-        <p:nvSpPr>
-          <p:cNvPr id="48" name="Rectangle 47">
-            <a:extLst>
-              <a:ext uri="{FF2B5EF4-FFF2-40B4-BE49-F238E27FC236}">
-                <a16:creationId xmlns:a16="http://schemas.microsoft.com/office/drawing/2014/main" id="{C71B61AF-192B-4D5D-AB34-A0788659117D}"/>
-              </a:ext>
-            </a:extLst>
-          </p:cNvPr>
-          <p:cNvSpPr/>
-          <p:nvPr/>
-        </p:nvSpPr>
-        <p:spPr>
-          <a:xfrm>
-            <a:off x="3155994" y="3744397"/>
-            <a:ext cx="1175826" cy="330170"/>
-          </a:xfrm>
-          <a:prstGeom prst="rect">
-            <a:avLst/>
-          </a:prstGeom>
-          <a:noFill/>
-          <a:ln>
-            <a:noFill/>
-          </a:ln>
-        </p:spPr>
-        <p:style>
-          <a:lnRef idx="2">
-            <a:schemeClr val="accent1">
-              <a:shade val="50000"/>
-            </a:schemeClr>
-          </a:lnRef>
-          <a:fillRef idx="1">
-            <a:schemeClr val="accent1"/>
-          </a:fillRef>
-          <a:effectRef idx="0">
-            <a:schemeClr val="accent1"/>
-          </a:effectRef>
-          <a:fontRef idx="minor">
-            <a:schemeClr val="lt1"/>
-          </a:fontRef>
-        </p:style>
-        <p:txBody>
-          <a:bodyPr rtlCol="0" anchor="ctr"/>
-          <a:lstStyle/>
-          <a:p>
-            <a:r>
-              <a:rPr lang="en-US" dirty="0">
-                <a:solidFill>
-                  <a:schemeClr val="tx1"/>
-                </a:solidFill>
-              </a:rPr>
-              <a:t>Based on</a:t>
-            </a:r>
-          </a:p>
-        </p:txBody>
-      </p:sp>
+      </p:pic>
     </p:spTree>
     <p:extLst>
       <p:ext uri="{BB962C8B-B14F-4D97-AF65-F5344CB8AC3E}">
@@ -11867,7 +11359,7 @@
                   <a:srgbClr val="FFFF00"/>
                 </a:solidFill>
               </a:rPr>
-              <a:t>14.06.1 Array List</a:t>
+              <a:t>14.06.2 Linked List</a:t>
             </a:r>
             <a:endParaRPr lang="zh-TW" altLang="en-US" b="1" dirty="0">
               <a:solidFill>
@@ -13599,7 +13091,7 @@
                   <a:srgbClr val="FFFF00"/>
                 </a:solidFill>
               </a:rPr>
-              <a:t>14.06.1 Array List</a:t>
+              <a:t>14.06.2 Linked List</a:t>
             </a:r>
             <a:endParaRPr lang="zh-TW" altLang="en-US" b="1" dirty="0">
               <a:solidFill>
@@ -13621,8 +13113,8 @@
         </p:nvSpPr>
         <p:spPr>
           <a:xfrm>
-            <a:off x="457200" y="1316902"/>
-            <a:ext cx="8352928" cy="668544"/>
+            <a:off x="457200" y="1316901"/>
+            <a:ext cx="6291694" cy="1862359"/>
           </a:xfrm>
           <a:ln>
             <a:solidFill>
@@ -13651,6 +13143,42 @@
                 </a:solidFill>
               </a:rPr>
               <a:t>Add element 32. The add will not affect any performance. This is faster than ArrayList.</a:t>
+            </a:r>
+          </a:p>
+          <a:p>
+            <a:pPr marL="342900" indent="-342900" algn="l">
+              <a:buClr>
+                <a:srgbClr val="0070C0"/>
+              </a:buClr>
+              <a:buSzPct val="80000"/>
+              <a:buFont typeface="Wingdings" pitchFamily="2" charset="2"/>
+              <a:buChar char="u"/>
+            </a:pPr>
+            <a:r>
+              <a:rPr lang="en-US" altLang="zh-TW" sz="1800" dirty="0">
+                <a:solidFill>
+                  <a:schemeClr val="tx1"/>
+                </a:solidFill>
+              </a:rPr>
+              <a:t>When you add or remove, the LinkedList is faster than ArrayList.</a:t>
+            </a:r>
+          </a:p>
+          <a:p>
+            <a:pPr marL="342900" indent="-342900" algn="l">
+              <a:buClr>
+                <a:srgbClr val="0070C0"/>
+              </a:buClr>
+              <a:buSzPct val="80000"/>
+              <a:buFont typeface="Wingdings" pitchFamily="2" charset="2"/>
+              <a:buChar char="u"/>
+            </a:pPr>
+            <a:r>
+              <a:rPr lang="en-US" altLang="zh-TW" sz="1800" dirty="0">
+                <a:solidFill>
+                  <a:schemeClr val="tx1"/>
+                </a:solidFill>
+              </a:rPr>
+              <a:t>When you search the value, the LinkedList is slower than ArrayList.</a:t>
             </a:r>
           </a:p>
         </p:txBody>
@@ -13796,7 +13324,7 @@
         </p:nvSpPr>
         <p:spPr>
           <a:xfrm>
-            <a:off x="1026662" y="2606319"/>
+            <a:off x="2360278" y="3665359"/>
             <a:ext cx="1440160" cy="504057"/>
           </a:xfrm>
           <a:prstGeom prst="rect">
@@ -13859,7 +13387,7 @@
         </p:nvSpPr>
         <p:spPr>
           <a:xfrm>
-            <a:off x="783164" y="3790045"/>
+            <a:off x="2116780" y="4849085"/>
             <a:ext cx="1927156" cy="504057"/>
           </a:xfrm>
           <a:prstGeom prst="rect">
@@ -13926,7 +13454,7 @@
         </p:nvCxnSpPr>
         <p:spPr>
           <a:xfrm>
-            <a:off x="1746742" y="3110376"/>
+            <a:off x="3080358" y="4169416"/>
             <a:ext cx="0" cy="679669"/>
           </a:xfrm>
           <a:prstGeom prst="straightConnector1">
@@ -13968,7 +13496,7 @@
         </p:nvSpPr>
         <p:spPr>
           <a:xfrm>
-            <a:off x="6247474" y="2220461"/>
+            <a:off x="7126446" y="1343868"/>
             <a:ext cx="755104" cy="298211"/>
           </a:xfrm>
           <a:prstGeom prst="rect">
@@ -14031,7 +13559,7 @@
         </p:nvSpPr>
         <p:spPr>
           <a:xfrm>
-            <a:off x="6247474" y="2537663"/>
+            <a:off x="7126446" y="1661070"/>
             <a:ext cx="216021" cy="216024"/>
           </a:xfrm>
           <a:prstGeom prst="ellipse">
@@ -14092,7 +13620,7 @@
         </p:nvSpPr>
         <p:spPr>
           <a:xfrm>
-            <a:off x="6768295" y="2537663"/>
+            <a:off x="7647267" y="1661070"/>
             <a:ext cx="216021" cy="216024"/>
           </a:xfrm>
           <a:prstGeom prst="ellipse">
@@ -14153,7 +13681,7 @@
         </p:nvSpPr>
         <p:spPr>
           <a:xfrm>
-            <a:off x="2733165" y="2740499"/>
+            <a:off x="4066781" y="3799539"/>
             <a:ext cx="216021" cy="216024"/>
           </a:xfrm>
           <a:prstGeom prst="ellipse">
@@ -14214,7 +13742,7 @@
         </p:nvSpPr>
         <p:spPr>
           <a:xfrm>
-            <a:off x="2733165" y="3172547"/>
+            <a:off x="4066781" y="4231587"/>
             <a:ext cx="216021" cy="216024"/>
           </a:xfrm>
           <a:prstGeom prst="ellipse">
@@ -14275,7 +13803,7 @@
         </p:nvSpPr>
         <p:spPr>
           <a:xfrm>
-            <a:off x="3059832" y="2708920"/>
+            <a:off x="4393448" y="3767960"/>
             <a:ext cx="1710680" cy="298211"/>
           </a:xfrm>
           <a:prstGeom prst="rect">
@@ -14337,7 +13865,7 @@
         </p:nvSpPr>
         <p:spPr>
           <a:xfrm>
-            <a:off x="3029236" y="3131453"/>
+            <a:off x="4362852" y="4190493"/>
             <a:ext cx="1710680" cy="298211"/>
           </a:xfrm>
           <a:prstGeom prst="rect">
@@ -14399,7 +13927,7 @@
         </p:nvSpPr>
         <p:spPr>
           <a:xfrm>
-            <a:off x="6247474" y="3318134"/>
+            <a:off x="7126446" y="2441541"/>
             <a:ext cx="755104" cy="298211"/>
           </a:xfrm>
           <a:prstGeom prst="rect">
@@ -14462,7 +13990,7 @@
         </p:nvSpPr>
         <p:spPr>
           <a:xfrm>
-            <a:off x="6247474" y="3635336"/>
+            <a:off x="7126446" y="2758743"/>
             <a:ext cx="216021" cy="216024"/>
           </a:xfrm>
           <a:prstGeom prst="ellipse">
@@ -14523,7 +14051,7 @@
         </p:nvSpPr>
         <p:spPr>
           <a:xfrm>
-            <a:off x="6768295" y="3635336"/>
+            <a:off x="7647267" y="2758743"/>
             <a:ext cx="216021" cy="216024"/>
           </a:xfrm>
           <a:prstGeom prst="ellipse">
@@ -14588,7 +14116,7 @@
         </p:nvCxnSpPr>
         <p:spPr>
           <a:xfrm flipH="1">
-            <a:off x="6625026" y="2753687"/>
+            <a:off x="7503998" y="1877094"/>
             <a:ext cx="251280" cy="564447"/>
           </a:xfrm>
           <a:prstGeom prst="straightConnector1">
@@ -14630,7 +14158,7 @@
         </p:nvSpPr>
         <p:spPr>
           <a:xfrm>
-            <a:off x="6266896" y="5242887"/>
+            <a:off x="7145868" y="4366294"/>
             <a:ext cx="755104" cy="298211"/>
           </a:xfrm>
           <a:prstGeom prst="rect">
@@ -14693,7 +14221,7 @@
         </p:nvSpPr>
         <p:spPr>
           <a:xfrm>
-            <a:off x="6266896" y="5560089"/>
+            <a:off x="7145868" y="4683496"/>
             <a:ext cx="216021" cy="216024"/>
           </a:xfrm>
           <a:prstGeom prst="ellipse">
@@ -14754,7 +14282,7 @@
         </p:nvSpPr>
         <p:spPr>
           <a:xfrm>
-            <a:off x="6787717" y="5560089"/>
+            <a:off x="7666689" y="4683496"/>
             <a:ext cx="216021" cy="216024"/>
           </a:xfrm>
           <a:prstGeom prst="ellipse">
@@ -14819,7 +14347,7 @@
         </p:nvCxnSpPr>
         <p:spPr>
           <a:xfrm>
-            <a:off x="6876306" y="3851360"/>
+            <a:off x="7755278" y="2974767"/>
             <a:ext cx="344786" cy="409395"/>
           </a:xfrm>
           <a:prstGeom prst="straightConnector1">
@@ -14865,7 +14393,7 @@
         </p:nvCxnSpPr>
         <p:spPr>
           <a:xfrm flipV="1">
-            <a:off x="6355485" y="2518672"/>
+            <a:off x="7234457" y="1642079"/>
             <a:ext cx="269541" cy="1116664"/>
           </a:xfrm>
           <a:prstGeom prst="straightConnector1">
@@ -14907,7 +14435,7 @@
         </p:nvSpPr>
         <p:spPr>
           <a:xfrm>
-            <a:off x="6268273" y="6322541"/>
+            <a:off x="7147245" y="5445948"/>
             <a:ext cx="755104" cy="298211"/>
           </a:xfrm>
           <a:prstGeom prst="rect">
@@ -14970,7 +14498,7 @@
         </p:nvSpPr>
         <p:spPr>
           <a:xfrm>
-            <a:off x="6268273" y="6639743"/>
+            <a:off x="7147245" y="5763150"/>
             <a:ext cx="216021" cy="216024"/>
           </a:xfrm>
           <a:prstGeom prst="ellipse">
@@ -15031,7 +14559,7 @@
         </p:nvSpPr>
         <p:spPr>
           <a:xfrm>
-            <a:off x="6789094" y="6639743"/>
+            <a:off x="7668066" y="5763150"/>
             <a:ext cx="216021" cy="216024"/>
           </a:xfrm>
           <a:prstGeom prst="ellipse">
@@ -15095,7 +14623,7 @@
         </p:nvCxnSpPr>
         <p:spPr>
           <a:xfrm flipH="1">
-            <a:off x="6645825" y="5758094"/>
+            <a:off x="7524797" y="4881501"/>
             <a:ext cx="251280" cy="564447"/>
           </a:xfrm>
           <a:prstGeom prst="straightConnector1">
@@ -15140,7 +14668,7 @@
         </p:nvCxnSpPr>
         <p:spPr>
           <a:xfrm flipV="1">
-            <a:off x="6376284" y="5515862"/>
+            <a:off x="7255256" y="4639269"/>
             <a:ext cx="269541" cy="1123881"/>
           </a:xfrm>
           <a:prstGeom prst="straightConnector1">
@@ -15182,7 +14710,7 @@
         </p:nvSpPr>
         <p:spPr>
           <a:xfrm>
-            <a:off x="6843540" y="4260755"/>
+            <a:off x="7722512" y="3384162"/>
             <a:ext cx="755104" cy="298211"/>
           </a:xfrm>
           <a:prstGeom prst="rect">
@@ -15245,7 +14773,7 @@
         </p:nvSpPr>
         <p:spPr>
           <a:xfrm>
-            <a:off x="6843540" y="4577957"/>
+            <a:off x="7722512" y="3701364"/>
             <a:ext cx="216021" cy="216024"/>
           </a:xfrm>
           <a:prstGeom prst="ellipse">
@@ -15306,7 +14834,7 @@
         </p:nvSpPr>
         <p:spPr>
           <a:xfrm>
-            <a:off x="7364361" y="4577957"/>
+            <a:off x="8243333" y="3701364"/>
             <a:ext cx="216021" cy="216024"/>
           </a:xfrm>
           <a:prstGeom prst="ellipse">
@@ -15371,7 +14899,7 @@
         </p:nvCxnSpPr>
         <p:spPr>
           <a:xfrm flipH="1">
-            <a:off x="6644448" y="4793981"/>
+            <a:off x="7523420" y="3917388"/>
             <a:ext cx="827924" cy="448906"/>
           </a:xfrm>
           <a:prstGeom prst="straightConnector1">
@@ -15417,7 +14945,7 @@
         </p:nvCxnSpPr>
         <p:spPr>
           <a:xfrm flipH="1" flipV="1">
-            <a:off x="6625026" y="3616345"/>
+            <a:off x="7503998" y="2739752"/>
             <a:ext cx="326525" cy="961612"/>
           </a:xfrm>
           <a:prstGeom prst="straightConnector1">
@@ -15463,7 +14991,7 @@
         </p:nvCxnSpPr>
         <p:spPr>
           <a:xfrm flipV="1">
-            <a:off x="6374907" y="4558966"/>
+            <a:off x="7253879" y="3682373"/>
             <a:ext cx="846185" cy="1001123"/>
           </a:xfrm>
           <a:prstGeom prst="straightConnector1">
@@ -15505,7 +15033,7 @@
         </p:nvSpPr>
         <p:spPr>
           <a:xfrm>
-            <a:off x="6553200" y="4055853"/>
+            <a:off x="7432172" y="3179260"/>
             <a:ext cx="1384867" cy="861719"/>
           </a:xfrm>
           <a:prstGeom prst="roundRect">
